--- a/data_case_study.pptx
+++ b/data_case_study.pptx
@@ -9647,7 +9647,7 @@
             </a:r>
             <a:r>
               <a:rPr lang="en-US" dirty="0"/>
-              <a:t> command, I was able to apply the food security designation from FEWS for the region within which each household was located. This gave the master dataset the food security level of every household correctly. </a:t>
+              <a:t> command, I was able to apply the food security designation from FEWS for the region within which each household was located. This gave the master dataset the food security level of every household</a:t>
             </a:r>
           </a:p>
         </p:txBody>
@@ -9959,15 +9959,7 @@
             </a:r>
             <a:r>
               <a:rPr lang="en-US" dirty="0"/>
-              <a:t> into units purchased, quantity purchased, and then size purchased. As a result, it was a little bit difficult to figure out the exact meaning of the different designations. Thus, since the quantity in (size) units had a conversion factor, </a:t>
-            </a:r>
-            <a:r>
-              <a:rPr lang="en-US" dirty="0" err="1"/>
-              <a:t>i</a:t>
-            </a:r>
-            <a:r>
-              <a:rPr lang="en-US" dirty="0"/>
-              <a:t> added that multiplied by its conversion factor to the units and quantity purchased. The formula looks as follows: </a:t>
+              <a:t> into units purchased, quantity purchased, and then size purchased. As a result, it was a little bit difficult to figure out the exact meaning of the different designations. Thus, since the quantity in (size) units had a conversion factor, I added that multiplied by its conversion factor to the units and quantity purchased. The formula looks as follows: </a:t>
             </a:r>
           </a:p>
           <a:p>
@@ -9977,7 +9969,7 @@
             </a:pPr>
             <a:r>
               <a:rPr lang="en-US" dirty="0"/>
-              <a:t>purchase (quantity) + purchase (unit) + purchase(size) * </a:t>
+              <a:t>(purchase (quantity) + purchase (unit) + purchase(size) * </a:t>
             </a:r>
             <a:r>
               <a:rPr lang="en-US" dirty="0" err="1"/>
@@ -9985,7 +9977,7 @@
             </a:r>
             <a:r>
               <a:rPr lang="en-US" dirty="0"/>
-              <a:t> = monthly food spending</a:t>
+              <a:t>) * price = monthly food spending</a:t>
             </a:r>
           </a:p>
         </p:txBody>
@@ -10145,23 +10137,7 @@
             </a:pPr>
             <a:r>
               <a:rPr lang="en-US" sz="1200" dirty="0"/>
-              <a:t>The factors that contribute to, and potentially ones that ameliorate, food insecurity are very numbered. Demographic factors, though, play a crucial role. For this project, the NGO specifically wanted to know about: 1. secondary school completion of household head 2. Proportion of household heads in elementary occupations 3. Average Household size Thus, to accomplish these three tasks, the surveys luckily contained all the </a:t>
-            </a:r>
-            <a:r>
-              <a:rPr lang="en-US" sz="1200" dirty="0" err="1"/>
-              <a:t>neccessary</a:t>
-            </a:r>
-            <a:r>
-              <a:rPr lang="en-US" sz="1200" dirty="0"/>
-              <a:t> information. From </a:t>
-            </a:r>
-            <a:r>
-              <a:rPr lang="en-US" sz="1200" dirty="0" err="1"/>
-              <a:t>survery</a:t>
-            </a:r>
-            <a:r>
-              <a:rPr lang="en-US" sz="1200" dirty="0"/>
-              <a:t> sect1_harvestw4, I decided to include:</a:t>
+              <a:t>The factors that contribute to, and potentially ones that ameliorate, food insecurity are very numbered. Demographic factors, though, play a crucial role. For this project, the NGO specifically wanted to know about: 1. secondary school completion of household head 2. Proportion of household heads in elementary occupations 3. Average Household size Thus, to accomplish these three tasks, the surveys luckily contained all the necessary information. From survey sect1_harvestw4, I decided to include:</a:t>
             </a:r>
           </a:p>
           <a:p>
